--- a/BIG DATA TECHNOLOGY.pptx
+++ b/BIG DATA TECHNOLOGY.pptx
@@ -257,6 +257,11 @@
       </a:defRPr>
     </a:lvl9pPr>
   </p:defaultTextStyle>
+  <p:extLst>
+    <p:ext uri="{EFAFB233-063F-42B5-8137-9DF3F51BA10A}">
+      <p15:sldGuideLst xmlns:p15="http://schemas.microsoft.com/office/powerpoint/2012/main"/>
+    </p:ext>
+  </p:extLst>
 </p:presentation>
 </file>
 
@@ -1704,8 +1709,8 @@
         </p:nvSpPr>
         <p:spPr>
           <a:xfrm>
-            <a:off x="1143225" y="685800"/>
-            <a:ext cx="4572225" cy="3429000"/>
+            <a:off x="381000" y="685800"/>
+            <a:ext cx="6096000" cy="3429000"/>
           </a:xfrm>
           <a:custGeom>
             <a:avLst/>
@@ -2016,8 +2021,8 @@
         </p:nvSpPr>
         <p:spPr>
           <a:xfrm>
-            <a:off x="1143225" y="685800"/>
-            <a:ext cx="4572225" cy="3429000"/>
+            <a:off x="381000" y="685800"/>
+            <a:ext cx="6096000" cy="3429000"/>
           </a:xfrm>
           <a:custGeom>
             <a:avLst/>
@@ -15738,15 +15743,69 @@
               <a:buNone/>
             </a:pPr>
             <a:r>
-              <a:rPr lang="en-US" sz="2500" b="1">
+              <a:rPr lang="en-US" sz="2500" b="1" dirty="0">
                 <a:latin typeface="Avenir"/>
                 <a:ea typeface="Avenir"/>
                 <a:cs typeface="Avenir"/>
                 <a:sym typeface="Avenir"/>
               </a:rPr>
-              <a:t>B, We  have to choosing cloudera hadoop to connect with the hive server running in our cloudera VM </a:t>
+              <a:t>B, I have to choose </a:t>
             </a:r>
-            <a:endParaRPr/>
+            <a:r>
+              <a:rPr lang="en-US" sz="2500" b="1" dirty="0" err="1">
+                <a:latin typeface="Avenir"/>
+                <a:ea typeface="Avenir"/>
+                <a:cs typeface="Avenir"/>
+                <a:sym typeface="Avenir"/>
+              </a:rPr>
+              <a:t>cloudera</a:t>
+            </a:r>
+            <a:r>
+              <a:rPr lang="en-US" sz="2500" b="1" dirty="0">
+                <a:latin typeface="Avenir"/>
+                <a:ea typeface="Avenir"/>
+                <a:cs typeface="Avenir"/>
+                <a:sym typeface="Avenir"/>
+              </a:rPr>
+              <a:t> </a:t>
+            </a:r>
+            <a:r>
+              <a:rPr lang="en-US" sz="2500" b="1" dirty="0" err="1">
+                <a:latin typeface="Avenir"/>
+                <a:ea typeface="Avenir"/>
+                <a:cs typeface="Avenir"/>
+                <a:sym typeface="Avenir"/>
+              </a:rPr>
+              <a:t>hadoop</a:t>
+            </a:r>
+            <a:r>
+              <a:rPr lang="en-US" sz="2500" b="1" dirty="0">
+                <a:latin typeface="Avenir"/>
+                <a:ea typeface="Avenir"/>
+                <a:cs typeface="Avenir"/>
+                <a:sym typeface="Avenir"/>
+              </a:rPr>
+              <a:t> to connect with the hive server running in our </a:t>
+            </a:r>
+            <a:r>
+              <a:rPr lang="en-US" sz="2500" b="1" dirty="0" err="1">
+                <a:latin typeface="Avenir"/>
+                <a:ea typeface="Avenir"/>
+                <a:cs typeface="Avenir"/>
+                <a:sym typeface="Avenir"/>
+              </a:rPr>
+              <a:t>cloudera</a:t>
+            </a:r>
+            <a:r>
+              <a:rPr lang="en-US" sz="2500" b="1" dirty="0">
+                <a:latin typeface="Avenir"/>
+                <a:ea typeface="Avenir"/>
+                <a:cs typeface="Avenir"/>
+                <a:sym typeface="Avenir"/>
+              </a:rPr>
+              <a:t> VM </a:t>
+            </a:r>
+            <a:endParaRPr dirty="0"/>
           </a:p>
         </p:txBody>
       </p:sp>
@@ -15887,7 +15946,7 @@
             </a:pPr>
             <a:r>
               <a:rPr lang="en-US" sz="2600" dirty="0"/>
-              <a:t>C, Then we using the server name/IP address  and the user with correct authentication type to connect to the server.</a:t>
+              <a:t>C, Then I am using the server name/IP address  and the user with correct authentication type to connect to the server.</a:t>
             </a:r>
             <a:endParaRPr sz="2600" dirty="0"/>
           </a:p>
@@ -16581,7 +16640,7 @@
               <a:buNone/>
             </a:pPr>
             <a:r>
-              <a:rPr lang="en-US"/>
+              <a:rPr lang="en-US" dirty="0"/>
               <a:t>THANK YOU !!!</a:t>
             </a:r>
           </a:p>
@@ -16707,7 +16766,7 @@
         </p:nvSpPr>
         <p:spPr>
           <a:xfrm>
-            <a:off x="660647" y="363984"/>
+            <a:off x="660647" y="345130"/>
             <a:ext cx="10515600" cy="808649"/>
           </a:xfrm>
           <a:prstGeom prst="rect">
@@ -16901,38 +16960,7 @@
               </a:rPr>
               <a:t>Spark Streaming </a:t>
             </a:r>
-            <a:endParaRPr sz="3700" dirty="0"/>
-          </a:p>
-          <a:p>
-            <a:pPr marL="457200" lvl="0" indent="-400050" algn="just" rtl="0">
-              <a:lnSpc>
-                <a:spcPct val="107000"/>
-              </a:lnSpc>
-              <a:spcBef>
-                <a:spcPts val="0"/>
-              </a:spcBef>
-              <a:spcAft>
-                <a:spcPts val="0"/>
-              </a:spcAft>
-              <a:buSzPts val="2700"/>
-              <a:buFont typeface="Times New Roman"/>
-              <a:buChar char="❖"/>
-            </a:pPr>
-            <a:r>
-              <a:rPr lang="en-US" sz="2700" b="1" dirty="0">
-                <a:latin typeface="Times New Roman"/>
-                <a:ea typeface="Times New Roman"/>
-                <a:cs typeface="Times New Roman"/>
-                <a:sym typeface="Times New Roman"/>
-              </a:rPr>
-              <a:t>Spark SQL</a:t>
-            </a:r>
-            <a:endParaRPr sz="2700" dirty="0">
-              <a:latin typeface="Calibri"/>
-              <a:ea typeface="Calibri"/>
-              <a:cs typeface="Calibri"/>
-              <a:sym typeface="Calibri"/>
-            </a:endParaRPr>
+            <a:endParaRPr lang="en-US" sz="3700" dirty="0"/>
           </a:p>
           <a:p>
             <a:pPr marL="457200" marR="0" lvl="0" indent="-400050" algn="just" rtl="0">
@@ -16957,6 +16985,31 @@
                 <a:sym typeface="Times New Roman"/>
               </a:rPr>
               <a:t>Apache Hive</a:t>
+            </a:r>
+          </a:p>
+          <a:p>
+            <a:pPr marL="457200" marR="0" lvl="0" indent="-400050" algn="just" rtl="0">
+              <a:lnSpc>
+                <a:spcPct val="107000"/>
+              </a:lnSpc>
+              <a:spcBef>
+                <a:spcPts val="0"/>
+              </a:spcBef>
+              <a:spcAft>
+                <a:spcPts val="0"/>
+              </a:spcAft>
+              <a:buSzPts val="2700"/>
+              <a:buFont typeface="Times New Roman"/>
+              <a:buChar char="❖"/>
+            </a:pPr>
+            <a:r>
+              <a:rPr lang="en-US" sz="2700" b="1" dirty="0" err="1">
+                <a:latin typeface="Times New Roman"/>
+                <a:ea typeface="Calibri"/>
+                <a:cs typeface="Times New Roman"/>
+                <a:sym typeface="Times New Roman"/>
+              </a:rPr>
+              <a:t>Hbase</a:t>
             </a:r>
             <a:endParaRPr sz="2700" dirty="0">
               <a:latin typeface="Calibri"/>
@@ -17451,7 +17504,7 @@
               <a:buNone/>
             </a:pPr>
             <a:r>
-              <a:rPr lang="en-US" sz="3720">
+              <a:rPr lang="en-US" sz="3720" dirty="0">
                 <a:latin typeface="Times New Roman"/>
                 <a:ea typeface="Times New Roman"/>
                 <a:cs typeface="Times New Roman"/>
@@ -17460,7 +17513,7 @@
               <a:t>Kafka is a distributed streaming platform that </a:t>
             </a:r>
             <a:r>
-              <a:rPr lang="en-US" sz="3720" b="1">
+              <a:rPr lang="en-US" sz="3720" b="1" dirty="0">
                 <a:latin typeface="Times New Roman"/>
                 <a:ea typeface="Times New Roman"/>
                 <a:cs typeface="Times New Roman"/>
@@ -17469,7 +17522,7 @@
               <a:t>publish</a:t>
             </a:r>
             <a:r>
-              <a:rPr lang="en-US" sz="3720">
+              <a:rPr lang="en-US" sz="3720" dirty="0">
                 <a:latin typeface="Times New Roman"/>
                 <a:ea typeface="Times New Roman"/>
                 <a:cs typeface="Times New Roman"/>
@@ -17478,7 +17531,7 @@
               <a:t> and </a:t>
             </a:r>
             <a:r>
-              <a:rPr lang="en-US" sz="3720" b="1">
+              <a:rPr lang="en-US" sz="3720" b="1" dirty="0">
                 <a:latin typeface="Times New Roman"/>
                 <a:ea typeface="Times New Roman"/>
                 <a:cs typeface="Times New Roman"/>
@@ -17487,15 +17540,15 @@
               <a:t>subscribe</a:t>
             </a:r>
             <a:r>
-              <a:rPr lang="en-US" sz="3720">
+              <a:rPr lang="en-US" sz="3720" dirty="0">
                 <a:latin typeface="Times New Roman"/>
                 <a:ea typeface="Times New Roman"/>
                 <a:cs typeface="Times New Roman"/>
                 <a:sym typeface="Times New Roman"/>
               </a:rPr>
-              <a:t> to streams of records, similar to a message queue or enterprise messaging system. It stores streams of records in a fault-tolerant durable way and process streams of records as they occur. In this project, Kafka is used to receive the streams of data from twitter and forwards it to the Spark Streaming.</a:t>
+              <a:t> to streams of records, similar to a message queue or enterprise messaging system. It stores streams of records in a fault-tolerant durable way and process streams of records as they occur. In this project, Kafka is used to receive the streams of data from Static simulation data(csv) and forwards it to the Spark Streaming.</a:t>
             </a:r>
-            <a:endParaRPr/>
+            <a:endParaRPr dirty="0"/>
           </a:p>
         </p:txBody>
       </p:sp>
